--- a/종설기발표.pptx
+++ b/종설기발표.pptx
@@ -216,7 +216,7 @@
           <a:p>
             <a:fld id="{577B52B7-7909-4539-AEBE-2699BA1BA90C}" type="datetimeFigureOut">
               <a:rPr lang="ko-KR" altLang="en-US" smtClean="0"/>
-              <a:t>2021-12-10</a:t>
+              <a:t>2021-12-17</a:t>
             </a:fld>
             <a:endParaRPr lang="ko-KR" altLang="en-US"/>
           </a:p>
@@ -741,7 +741,7 @@
           <a:p>
             <a:fld id="{D92AED13-1F0A-437C-B7F1-E8AA832F4A76}" type="datetimeFigureOut">
               <a:rPr lang="ko-KR" altLang="en-US" smtClean="0"/>
-              <a:t>2021-12-10</a:t>
+              <a:t>2021-12-17</a:t>
             </a:fld>
             <a:endParaRPr lang="ko-KR" altLang="en-US"/>
           </a:p>
@@ -993,7 +993,7 @@
           <a:p>
             <a:fld id="{D92AED13-1F0A-437C-B7F1-E8AA832F4A76}" type="datetimeFigureOut">
               <a:rPr lang="ko-KR" altLang="en-US" smtClean="0"/>
-              <a:t>2021-12-10</a:t>
+              <a:t>2021-12-17</a:t>
             </a:fld>
             <a:endParaRPr lang="ko-KR" altLang="en-US"/>
           </a:p>
@@ -1201,7 +1201,7 @@
           <a:p>
             <a:fld id="{D92AED13-1F0A-437C-B7F1-E8AA832F4A76}" type="datetimeFigureOut">
               <a:rPr lang="ko-KR" altLang="en-US" smtClean="0"/>
-              <a:t>2021-12-10</a:t>
+              <a:t>2021-12-17</a:t>
             </a:fld>
             <a:endParaRPr lang="ko-KR" altLang="en-US"/>
           </a:p>
@@ -1399,7 +1399,7 @@
           <a:p>
             <a:fld id="{D92AED13-1F0A-437C-B7F1-E8AA832F4A76}" type="datetimeFigureOut">
               <a:rPr lang="ko-KR" altLang="en-US" smtClean="0"/>
-              <a:t>2021-12-10</a:t>
+              <a:t>2021-12-17</a:t>
             </a:fld>
             <a:endParaRPr lang="ko-KR" altLang="en-US"/>
           </a:p>
@@ -1674,7 +1674,7 @@
           <a:p>
             <a:fld id="{D92AED13-1F0A-437C-B7F1-E8AA832F4A76}" type="datetimeFigureOut">
               <a:rPr lang="ko-KR" altLang="en-US" smtClean="0"/>
-              <a:t>2021-12-10</a:t>
+              <a:t>2021-12-17</a:t>
             </a:fld>
             <a:endParaRPr lang="ko-KR" altLang="en-US"/>
           </a:p>
@@ -1939,7 +1939,7 @@
           <a:p>
             <a:fld id="{D92AED13-1F0A-437C-B7F1-E8AA832F4A76}" type="datetimeFigureOut">
               <a:rPr lang="ko-KR" altLang="en-US" smtClean="0"/>
-              <a:t>2021-12-10</a:t>
+              <a:t>2021-12-17</a:t>
             </a:fld>
             <a:endParaRPr lang="ko-KR" altLang="en-US"/>
           </a:p>
@@ -2351,7 +2351,7 @@
           <a:p>
             <a:fld id="{D92AED13-1F0A-437C-B7F1-E8AA832F4A76}" type="datetimeFigureOut">
               <a:rPr lang="ko-KR" altLang="en-US" smtClean="0"/>
-              <a:t>2021-12-10</a:t>
+              <a:t>2021-12-17</a:t>
             </a:fld>
             <a:endParaRPr lang="ko-KR" altLang="en-US"/>
           </a:p>
@@ -2492,7 +2492,7 @@
           <a:p>
             <a:fld id="{D92AED13-1F0A-437C-B7F1-E8AA832F4A76}" type="datetimeFigureOut">
               <a:rPr lang="ko-KR" altLang="en-US" smtClean="0"/>
-              <a:t>2021-12-10</a:t>
+              <a:t>2021-12-17</a:t>
             </a:fld>
             <a:endParaRPr lang="ko-KR" altLang="en-US"/>
           </a:p>
@@ -2605,7 +2605,7 @@
           <a:p>
             <a:fld id="{D92AED13-1F0A-437C-B7F1-E8AA832F4A76}" type="datetimeFigureOut">
               <a:rPr lang="ko-KR" altLang="en-US" smtClean="0"/>
-              <a:t>2021-12-10</a:t>
+              <a:t>2021-12-17</a:t>
             </a:fld>
             <a:endParaRPr lang="ko-KR" altLang="en-US"/>
           </a:p>
@@ -2916,7 +2916,7 @@
           <a:p>
             <a:fld id="{D92AED13-1F0A-437C-B7F1-E8AA832F4A76}" type="datetimeFigureOut">
               <a:rPr lang="ko-KR" altLang="en-US" smtClean="0"/>
-              <a:t>2021-12-10</a:t>
+              <a:t>2021-12-17</a:t>
             </a:fld>
             <a:endParaRPr lang="ko-KR" altLang="en-US"/>
           </a:p>
@@ -3204,7 +3204,7 @@
           <a:p>
             <a:fld id="{D92AED13-1F0A-437C-B7F1-E8AA832F4A76}" type="datetimeFigureOut">
               <a:rPr lang="ko-KR" altLang="en-US" smtClean="0"/>
-              <a:t>2021-12-10</a:t>
+              <a:t>2021-12-17</a:t>
             </a:fld>
             <a:endParaRPr lang="ko-KR" altLang="en-US"/>
           </a:p>
@@ -3445,7 +3445,7 @@
           <a:p>
             <a:fld id="{D92AED13-1F0A-437C-B7F1-E8AA832F4A76}" type="datetimeFigureOut">
               <a:rPr lang="ko-KR" altLang="en-US" smtClean="0"/>
-              <a:t>2021-12-10</a:t>
+              <a:t>2021-12-17</a:t>
             </a:fld>
             <a:endParaRPr lang="ko-KR" altLang="en-US"/>
           </a:p>
@@ -5331,7 +5331,7 @@
                     <a:srgbClr val="34558B"/>
                   </a:solidFill>
                   <a:latin typeface="함초롬돋움" panose="02030504000101010101" pitchFamily="18" charset="-127"/>
-                  <a:ea typeface="함초롬돋움" panose="02030504000101010101" pitchFamily="18" charset="-127"/>
+                  <a:ea typeface="함초롬돋움" panose="02030504000101010101"/>
                   <a:cs typeface="함초롬돋움" panose="02030504000101010101" pitchFamily="18" charset="-127"/>
                 </a:rPr>
                 <a:t>모임 활동을 통해 얻을 수 있는 재화</a:t>
@@ -5342,7 +5342,7 @@
                     <a:srgbClr val="34558B"/>
                   </a:solidFill>
                   <a:latin typeface="함초롬돋움" panose="02030504000101010101" pitchFamily="18" charset="-127"/>
-                  <a:ea typeface="함초롬돋움" panose="02030504000101010101" pitchFamily="18" charset="-127"/>
+                  <a:ea typeface="함초롬돋움" panose="02030504000101010101"/>
                   <a:cs typeface="함초롬돋움" panose="02030504000101010101" pitchFamily="18" charset="-127"/>
                 </a:rPr>
                 <a:t>.</a:t>
@@ -5393,7 +5393,7 @@
                     <a:srgbClr val="34558B"/>
                   </a:solidFill>
                   <a:latin typeface="함초롬돋움" panose="02030504000101010101" pitchFamily="18" charset="-127"/>
-                  <a:ea typeface="함초롬돋움" panose="02030504000101010101" pitchFamily="18" charset="-127"/>
+                  <a:ea typeface="함초롬돋움" panose="02030504000101010101"/>
                   <a:cs typeface="함초롬돋움" panose="02030504000101010101" pitchFamily="18" charset="-127"/>
                 </a:rPr>
                 <a:t>모임이 성사되거나 </a:t>
@@ -5404,7 +5404,7 @@
                     <a:srgbClr val="34558B"/>
                   </a:solidFill>
                   <a:latin typeface="함초롬돋움" panose="02030504000101010101" pitchFamily="18" charset="-127"/>
-                  <a:ea typeface="함초롬돋움" panose="02030504000101010101" pitchFamily="18" charset="-127"/>
+                  <a:ea typeface="함초롬돋움" panose="02030504000101010101"/>
                   <a:cs typeface="함초롬돋움" panose="02030504000101010101" pitchFamily="18" charset="-127"/>
                 </a:rPr>
                 <a:t>모임 활동</a:t>
@@ -5415,7 +5415,7 @@
                     <a:srgbClr val="34558B"/>
                   </a:solidFill>
                   <a:latin typeface="함초롬돋움" panose="02030504000101010101" pitchFamily="18" charset="-127"/>
-                  <a:ea typeface="함초롬돋움" panose="02030504000101010101" pitchFamily="18" charset="-127"/>
+                  <a:ea typeface="함초롬돋움" panose="02030504000101010101"/>
                   <a:cs typeface="함초롬돋움" panose="02030504000101010101" pitchFamily="18" charset="-127"/>
                 </a:rPr>
                 <a:t>이후 리뷰 작성 등을 통해 획득 가능</a:t>
@@ -5425,7 +5425,7 @@
                   <a:srgbClr val="34558B"/>
                 </a:solidFill>
                 <a:latin typeface="함초롬돋움" panose="02030504000101010101" pitchFamily="18" charset="-127"/>
-                <a:ea typeface="함초롬돋움" panose="02030504000101010101" pitchFamily="18" charset="-127"/>
+                <a:ea typeface="함초롬돋움" panose="02030504000101010101"/>
                 <a:cs typeface="함초롬돋움" panose="02030504000101010101" pitchFamily="18" charset="-127"/>
               </a:endParaRPr>
             </a:p>
@@ -5474,7 +5474,7 @@
                     <a:srgbClr val="34558B"/>
                   </a:solidFill>
                   <a:latin typeface="함초롬돋움" panose="02030504000101010101" pitchFamily="18" charset="-127"/>
-                  <a:ea typeface="함초롬돋움" panose="02030504000101010101" pitchFamily="18" charset="-127"/>
+                  <a:ea typeface="함초롬돋움" panose="02030504000101010101"/>
                   <a:cs typeface="함초롬돋움" panose="02030504000101010101" pitchFamily="18" charset="-127"/>
                 </a:rPr>
                 <a:t>획득하는 것이 까다롭고 모임을 자주 이용해야 얻을 수 있는 재화</a:t>
@@ -5485,7 +5485,7 @@
                     <a:srgbClr val="34558B"/>
                   </a:solidFill>
                   <a:latin typeface="함초롬돋움" panose="02030504000101010101" pitchFamily="18" charset="-127"/>
-                  <a:ea typeface="함초롬돋움" panose="02030504000101010101" pitchFamily="18" charset="-127"/>
+                  <a:ea typeface="함초롬돋움" panose="02030504000101010101"/>
                   <a:cs typeface="함초롬돋움" panose="02030504000101010101" pitchFamily="18" charset="-127"/>
                 </a:rPr>
                 <a:t>.</a:t>
@@ -5563,7 +5563,7 @@
                     <a:srgbClr val="34558B"/>
                   </a:solidFill>
                   <a:latin typeface="함초롬돋움" panose="02030504000101010101" pitchFamily="18" charset="-127"/>
-                  <a:ea typeface="함초롬돋움" panose="02030504000101010101" pitchFamily="18" charset="-127"/>
+                  <a:ea typeface="함초롬돋움" panose="02030504000101010101"/>
                   <a:cs typeface="함초롬돋움" panose="02030504000101010101" pitchFamily="18" charset="-127"/>
                 </a:rPr>
                 <a:t>2. </a:t>
@@ -5574,7 +5574,7 @@
                     <a:srgbClr val="34558B"/>
                   </a:solidFill>
                   <a:latin typeface="함초롬돋움" panose="02030504000101010101" pitchFamily="18" charset="-127"/>
-                  <a:ea typeface="함초롬돋움" panose="02030504000101010101" pitchFamily="18" charset="-127"/>
+                  <a:ea typeface="함초롬돋움" panose="02030504000101010101"/>
                   <a:cs typeface="함초롬돋움" panose="02030504000101010101" pitchFamily="18" charset="-127"/>
                 </a:rPr>
                 <a:t>모임활동을 통해 얻는 재화 </a:t>
@@ -5585,7 +5585,7 @@
                     <a:srgbClr val="34558B"/>
                   </a:solidFill>
                   <a:latin typeface="함초롬돋움" panose="02030504000101010101" pitchFamily="18" charset="-127"/>
-                  <a:ea typeface="함초롬돋움" panose="02030504000101010101" pitchFamily="18" charset="-127"/>
+                  <a:ea typeface="함초롬돋움" panose="02030504000101010101"/>
                   <a:cs typeface="함초롬돋움" panose="02030504000101010101" pitchFamily="18" charset="-127"/>
                 </a:rPr>
                 <a:t>(</a:t>
@@ -5596,7 +5596,7 @@
                     <a:srgbClr val="34558B"/>
                   </a:solidFill>
                   <a:latin typeface="함초롬돋움" panose="02030504000101010101" pitchFamily="18" charset="-127"/>
-                  <a:ea typeface="함초롬돋움" panose="02030504000101010101" pitchFamily="18" charset="-127"/>
+                  <a:ea typeface="함초롬돋움" panose="02030504000101010101"/>
                   <a:cs typeface="함초롬돋움" panose="02030504000101010101" pitchFamily="18" charset="-127"/>
                 </a:rPr>
                 <a:t> 주화 </a:t>
@@ -5607,7 +5607,7 @@
                     <a:srgbClr val="34558B"/>
                   </a:solidFill>
                   <a:latin typeface="함초롬돋움" panose="02030504000101010101" pitchFamily="18" charset="-127"/>
-                  <a:ea typeface="함초롬돋움" panose="02030504000101010101" pitchFamily="18" charset="-127"/>
+                  <a:ea typeface="함초롬돋움" panose="02030504000101010101"/>
                   <a:cs typeface="함초롬돋움" panose="02030504000101010101" pitchFamily="18" charset="-127"/>
                 </a:rPr>
                 <a:t>)</a:t>
@@ -5630,8 +5630,8 @@
         </p:nvGrpSpPr>
         <p:grpSpPr>
           <a:xfrm>
-            <a:off x="1151174" y="4909260"/>
-            <a:ext cx="7098522" cy="1285884"/>
+            <a:off x="1151173" y="4909260"/>
+            <a:ext cx="8152953" cy="1285884"/>
             <a:chOff x="1043005" y="1193533"/>
             <a:chExt cx="6273910" cy="1285884"/>
           </a:xfrm>
@@ -6224,7 +6224,7 @@
         <p:spPr>
           <a:xfrm>
             <a:off x="708522" y="1196289"/>
-            <a:ext cx="8369805" cy="461665"/>
+            <a:ext cx="9095878" cy="461665"/>
           </a:xfrm>
           <a:prstGeom prst="rect">
             <a:avLst/>
@@ -6564,8 +6564,8 @@
         </p:nvSpPr>
         <p:spPr>
           <a:xfrm>
-            <a:off x="663869" y="2743692"/>
-            <a:ext cx="3933645" cy="584775"/>
+            <a:off x="523461" y="2743692"/>
+            <a:ext cx="4074054" cy="584775"/>
           </a:xfrm>
           <a:prstGeom prst="rect">
             <a:avLst/>
@@ -24572,8 +24572,8 @@
         </p:nvSpPr>
         <p:spPr>
           <a:xfrm>
-            <a:off x="3416287" y="1736599"/>
-            <a:ext cx="1548987" cy="461665"/>
+            <a:off x="2999727" y="1736599"/>
+            <a:ext cx="1637104" cy="461665"/>
           </a:xfrm>
           <a:prstGeom prst="rect">
             <a:avLst/>
@@ -24614,8 +24614,8 @@
         </p:nvSpPr>
         <p:spPr>
           <a:xfrm>
-            <a:off x="3277981" y="2636301"/>
-            <a:ext cx="1825597" cy="461665"/>
+            <a:off x="2861421" y="2636301"/>
+            <a:ext cx="1929449" cy="461665"/>
           </a:xfrm>
           <a:prstGeom prst="rect">
             <a:avLst/>
@@ -24656,8 +24656,8 @@
         </p:nvSpPr>
         <p:spPr>
           <a:xfrm>
-            <a:off x="3164912" y="3536003"/>
-            <a:ext cx="2051733" cy="461665"/>
+            <a:off x="2748352" y="3536003"/>
+            <a:ext cx="2168450" cy="461665"/>
           </a:xfrm>
           <a:prstGeom prst="rect">
             <a:avLst/>
@@ -24698,8 +24698,8 @@
         </p:nvSpPr>
         <p:spPr>
           <a:xfrm>
-            <a:off x="3338687" y="4435705"/>
-            <a:ext cx="1800360" cy="461665"/>
+            <a:off x="2922126" y="4435705"/>
+            <a:ext cx="1902777" cy="461665"/>
           </a:xfrm>
           <a:prstGeom prst="rect">
             <a:avLst/>
@@ -24740,8 +24740,8 @@
         </p:nvSpPr>
         <p:spPr>
           <a:xfrm>
-            <a:off x="3636119" y="5335407"/>
-            <a:ext cx="1327313" cy="461665"/>
+            <a:off x="3219559" y="5335407"/>
+            <a:ext cx="1402820" cy="461665"/>
           </a:xfrm>
           <a:prstGeom prst="rect">
             <a:avLst/>
@@ -24782,8 +24782,8 @@
         </p:nvSpPr>
         <p:spPr>
           <a:xfrm>
-            <a:off x="6857781" y="1736597"/>
-            <a:ext cx="2208397" cy="461665"/>
+            <a:off x="6441221" y="1736597"/>
+            <a:ext cx="2334026" cy="461665"/>
           </a:xfrm>
           <a:prstGeom prst="rect">
             <a:avLst/>
@@ -24824,8 +24824,8 @@
         </p:nvSpPr>
         <p:spPr>
           <a:xfrm>
-            <a:off x="7229945" y="2633766"/>
-            <a:ext cx="1673262" cy="461665"/>
+            <a:off x="6813384" y="2633766"/>
+            <a:ext cx="1768449" cy="461665"/>
           </a:xfrm>
           <a:prstGeom prst="rect">
             <a:avLst/>
@@ -24866,8 +24866,8 @@
         </p:nvSpPr>
         <p:spPr>
           <a:xfrm>
-            <a:off x="6807303" y="3530935"/>
-            <a:ext cx="2518545" cy="461665"/>
+            <a:off x="6390743" y="3530935"/>
+            <a:ext cx="2661817" cy="461665"/>
           </a:xfrm>
           <a:prstGeom prst="rect">
             <a:avLst/>
@@ -24908,8 +24908,8 @@
         </p:nvSpPr>
         <p:spPr>
           <a:xfrm>
-            <a:off x="7328357" y="4428104"/>
-            <a:ext cx="1476435" cy="461665"/>
+            <a:off x="6911797" y="4428104"/>
+            <a:ext cx="1560425" cy="461665"/>
           </a:xfrm>
           <a:prstGeom prst="rect">
             <a:avLst/>
@@ -24950,8 +24950,8 @@
         </p:nvSpPr>
         <p:spPr>
           <a:xfrm>
-            <a:off x="7343352" y="5325274"/>
-            <a:ext cx="1476436" cy="461665"/>
+            <a:off x="6926792" y="5325274"/>
+            <a:ext cx="1560426" cy="461665"/>
           </a:xfrm>
           <a:prstGeom prst="rect">
             <a:avLst/>
